--- a/29KastanekPPresentation.pptx
+++ b/29KastanekPPresentation.pptx
@@ -111,6 +111,11 @@
       </a:defRPr>
     </a:lvl9pPr>
   </p:defaultTextStyle>
+  <p:extLst>
+    <p:ext uri="{EFAFB233-063F-42B5-8137-9DF3F51BA10A}">
+      <p15:sldGuideLst xmlns:p15="http://schemas.microsoft.com/office/powerpoint/2012/main"/>
+    </p:ext>
+  </p:extLst>
 </p:presentation>
 </file>
 
@@ -196,7 +201,7 @@
           <a:p>
             <a:fld id="{E18000BE-0730-4324-8613-1294AFE611BD}" type="datetimeFigureOut">
               <a:rPr lang="cs-CZ" smtClean="0"/>
-              <a:t>13.12.2022</a:t>
+              <a:t>20.12.2022</a:t>
             </a:fld>
             <a:endParaRPr lang="cs-CZ"/>
           </a:p>
@@ -610,7 +615,7 @@
           <a:p>
             <a:fld id="{B36D610B-D137-4088-8AC0-53AC4999E8E0}" type="datetimeFigureOut">
               <a:rPr lang="cs-CZ" smtClean="0"/>
-              <a:t>13.12.2022</a:t>
+              <a:t>20.12.2022</a:t>
             </a:fld>
             <a:endParaRPr lang="cs-CZ"/>
           </a:p>
@@ -808,7 +813,7 @@
           <a:p>
             <a:fld id="{B36D610B-D137-4088-8AC0-53AC4999E8E0}" type="datetimeFigureOut">
               <a:rPr lang="cs-CZ" smtClean="0"/>
-              <a:t>13.12.2022</a:t>
+              <a:t>20.12.2022</a:t>
             </a:fld>
             <a:endParaRPr lang="cs-CZ"/>
           </a:p>
@@ -1016,7 +1021,7 @@
           <a:p>
             <a:fld id="{B36D610B-D137-4088-8AC0-53AC4999E8E0}" type="datetimeFigureOut">
               <a:rPr lang="cs-CZ" smtClean="0"/>
-              <a:t>13.12.2022</a:t>
+              <a:t>20.12.2022</a:t>
             </a:fld>
             <a:endParaRPr lang="cs-CZ"/>
           </a:p>
@@ -1214,7 +1219,7 @@
           <a:p>
             <a:fld id="{B36D610B-D137-4088-8AC0-53AC4999E8E0}" type="datetimeFigureOut">
               <a:rPr lang="cs-CZ" smtClean="0"/>
-              <a:t>13.12.2022</a:t>
+              <a:t>20.12.2022</a:t>
             </a:fld>
             <a:endParaRPr lang="cs-CZ"/>
           </a:p>
@@ -1489,7 +1494,7 @@
           <a:p>
             <a:fld id="{B36D610B-D137-4088-8AC0-53AC4999E8E0}" type="datetimeFigureOut">
               <a:rPr lang="cs-CZ" smtClean="0"/>
-              <a:t>13.12.2022</a:t>
+              <a:t>20.12.2022</a:t>
             </a:fld>
             <a:endParaRPr lang="cs-CZ"/>
           </a:p>
@@ -1754,7 +1759,7 @@
           <a:p>
             <a:fld id="{B36D610B-D137-4088-8AC0-53AC4999E8E0}" type="datetimeFigureOut">
               <a:rPr lang="cs-CZ" smtClean="0"/>
-              <a:t>13.12.2022</a:t>
+              <a:t>20.12.2022</a:t>
             </a:fld>
             <a:endParaRPr lang="cs-CZ"/>
           </a:p>
@@ -2166,7 +2171,7 @@
           <a:p>
             <a:fld id="{B36D610B-D137-4088-8AC0-53AC4999E8E0}" type="datetimeFigureOut">
               <a:rPr lang="cs-CZ" smtClean="0"/>
-              <a:t>13.12.2022</a:t>
+              <a:t>20.12.2022</a:t>
             </a:fld>
             <a:endParaRPr lang="cs-CZ"/>
           </a:p>
@@ -2307,7 +2312,7 @@
           <a:p>
             <a:fld id="{B36D610B-D137-4088-8AC0-53AC4999E8E0}" type="datetimeFigureOut">
               <a:rPr lang="cs-CZ" smtClean="0"/>
-              <a:t>13.12.2022</a:t>
+              <a:t>20.12.2022</a:t>
             </a:fld>
             <a:endParaRPr lang="cs-CZ"/>
           </a:p>
@@ -2420,7 +2425,7 @@
           <a:p>
             <a:fld id="{B36D610B-D137-4088-8AC0-53AC4999E8E0}" type="datetimeFigureOut">
               <a:rPr lang="cs-CZ" smtClean="0"/>
-              <a:t>13.12.2022</a:t>
+              <a:t>20.12.2022</a:t>
             </a:fld>
             <a:endParaRPr lang="cs-CZ"/>
           </a:p>
@@ -2731,7 +2736,7 @@
           <a:p>
             <a:fld id="{B36D610B-D137-4088-8AC0-53AC4999E8E0}" type="datetimeFigureOut">
               <a:rPr lang="cs-CZ" smtClean="0"/>
-              <a:t>13.12.2022</a:t>
+              <a:t>20.12.2022</a:t>
             </a:fld>
             <a:endParaRPr lang="cs-CZ"/>
           </a:p>
@@ -3019,7 +3024,7 @@
           <a:p>
             <a:fld id="{B36D610B-D137-4088-8AC0-53AC4999E8E0}" type="datetimeFigureOut">
               <a:rPr lang="cs-CZ" smtClean="0"/>
-              <a:t>13.12.2022</a:t>
+              <a:t>20.12.2022</a:t>
             </a:fld>
             <a:endParaRPr lang="cs-CZ"/>
           </a:p>
@@ -3260,7 +3265,7 @@
           <a:p>
             <a:fld id="{B36D610B-D137-4088-8AC0-53AC4999E8E0}" type="datetimeFigureOut">
               <a:rPr lang="cs-CZ" smtClean="0"/>
-              <a:t>13.12.2022</a:t>
+              <a:t>20.12.2022</a:t>
             </a:fld>
             <a:endParaRPr lang="cs-CZ"/>
           </a:p>
@@ -3704,6 +3709,14 @@
               <a:rPr lang="cs-CZ" sz="8800" dirty="0"/>
               <a:t>Semestrální práce</a:t>
             </a:r>
+            <a:br>
+              <a:rPr lang="cs-CZ" sz="8800" dirty="0"/>
+            </a:br>
+            <a:r>
+              <a:rPr lang="cs-CZ" sz="2400" dirty="0"/>
+              <a:t>č. 29</a:t>
+            </a:r>
+            <a:endParaRPr lang="cs-CZ" sz="8800" dirty="0"/>
           </a:p>
         </p:txBody>
       </p:sp>
@@ -3908,10 +3921,10 @@
       </p:sp>
       <p:pic>
         <p:nvPicPr>
-          <p:cNvPr id="5" name="Zástupný obsah 4">
-            <a:extLst>
-              <a:ext uri="{FF2B5EF4-FFF2-40B4-BE49-F238E27FC236}">
-                <a16:creationId xmlns:a16="http://schemas.microsoft.com/office/drawing/2014/main" id="{8673101D-3F64-46FD-81C7-C65BB175E1E2}"/>
+          <p:cNvPr id="7" name="Zástupný obsah 6">
+            <a:extLst>
+              <a:ext uri="{FF2B5EF4-FFF2-40B4-BE49-F238E27FC236}">
+                <a16:creationId xmlns:a16="http://schemas.microsoft.com/office/drawing/2014/main" id="{2E7DEB35-6852-48FC-8D97-8DA9F192EA58}"/>
               </a:ext>
             </a:extLst>
           </p:cNvPr>
@@ -3936,8 +3949,8 @@
         </p:blipFill>
         <p:spPr>
           <a:xfrm>
-            <a:off x="4495801" y="1774682"/>
-            <a:ext cx="2938462" cy="4088750"/>
+            <a:off x="838201" y="2061670"/>
+            <a:ext cx="10515599" cy="2734660"/>
           </a:xfrm>
         </p:spPr>
       </p:pic>
@@ -4001,10 +4014,10 @@
       </p:sp>
       <p:pic>
         <p:nvPicPr>
-          <p:cNvPr id="5" name="Obrázek 4">
-            <a:extLst>
-              <a:ext uri="{FF2B5EF4-FFF2-40B4-BE49-F238E27FC236}">
-                <a16:creationId xmlns:a16="http://schemas.microsoft.com/office/drawing/2014/main" id="{BD596054-3A32-439D-BFFE-777EC99E52FB}"/>
+          <p:cNvPr id="7" name="Obrázek 6">
+            <a:extLst>
+              <a:ext uri="{FF2B5EF4-FFF2-40B4-BE49-F238E27FC236}">
+                <a16:creationId xmlns:a16="http://schemas.microsoft.com/office/drawing/2014/main" id="{91EB4277-B259-4415-B215-95A56A2EC328}"/>
               </a:ext>
             </a:extLst>
           </p:cNvPr>
@@ -4021,8 +4034,8 @@
         </p:blipFill>
         <p:spPr>
           <a:xfrm>
-            <a:off x="1776507" y="1690688"/>
-            <a:ext cx="8638986" cy="4802187"/>
+            <a:off x="1371600" y="1690688"/>
+            <a:ext cx="9448800" cy="5167526"/>
           </a:xfrm>
           <a:prstGeom prst="rect">
             <a:avLst/>
@@ -4092,7 +4105,7 @@
           <p:cNvPr id="4" name="Obrázek 3">
             <a:extLst>
               <a:ext uri="{FF2B5EF4-FFF2-40B4-BE49-F238E27FC236}">
-                <a16:creationId xmlns:a16="http://schemas.microsoft.com/office/drawing/2014/main" id="{B2659D1A-492E-412E-B064-777AF6D45407}"/>
+                <a16:creationId xmlns:a16="http://schemas.microsoft.com/office/drawing/2014/main" id="{88971405-04D3-4B3D-9C44-ABAE2FDC7B17}"/>
               </a:ext>
             </a:extLst>
           </p:cNvPr>
@@ -4109,8 +4122,8 @@
         </p:blipFill>
         <p:spPr>
           <a:xfrm>
-            <a:off x="838200" y="2828608"/>
-            <a:ext cx="2187245" cy="2694046"/>
+            <a:off x="1278426" y="1320078"/>
+            <a:ext cx="2743583" cy="5134692"/>
           </a:xfrm>
           <a:prstGeom prst="rect">
             <a:avLst/>
@@ -4119,10 +4132,10 @@
       </p:pic>
       <p:pic>
         <p:nvPicPr>
-          <p:cNvPr id="5" name="Obrázek 4">
-            <a:extLst>
-              <a:ext uri="{FF2B5EF4-FFF2-40B4-BE49-F238E27FC236}">
-                <a16:creationId xmlns:a16="http://schemas.microsoft.com/office/drawing/2014/main" id="{E90C42E3-0BCE-4C6B-B7C5-50A85F98297F}"/>
+          <p:cNvPr id="6" name="Obrázek 5">
+            <a:extLst>
+              <a:ext uri="{FF2B5EF4-FFF2-40B4-BE49-F238E27FC236}">
+                <a16:creationId xmlns:a16="http://schemas.microsoft.com/office/drawing/2014/main" id="{F761F7D4-9C1A-414F-AB43-4FCF287A2C18}"/>
               </a:ext>
             </a:extLst>
           </p:cNvPr>
@@ -4139,8 +4152,8 @@
         </p:blipFill>
         <p:spPr>
           <a:xfrm>
-            <a:off x="3587275" y="2828608"/>
-            <a:ext cx="2380630" cy="1593755"/>
+            <a:off x="4644242" y="1320078"/>
+            <a:ext cx="3048425" cy="3248478"/>
           </a:xfrm>
           <a:prstGeom prst="rect">
             <a:avLst/>
@@ -4149,10 +4162,10 @@
       </p:pic>
       <p:pic>
         <p:nvPicPr>
-          <p:cNvPr id="6" name="Obrázek 5">
-            <a:extLst>
-              <a:ext uri="{FF2B5EF4-FFF2-40B4-BE49-F238E27FC236}">
-                <a16:creationId xmlns:a16="http://schemas.microsoft.com/office/drawing/2014/main" id="{AE0BF046-BE6F-4A4A-B6B4-349384D1A9A7}"/>
+          <p:cNvPr id="8" name="Obrázek 7">
+            <a:extLst>
+              <a:ext uri="{FF2B5EF4-FFF2-40B4-BE49-F238E27FC236}">
+                <a16:creationId xmlns:a16="http://schemas.microsoft.com/office/drawing/2014/main" id="{9A54A116-4FAA-44C4-BE17-E37F39E19385}"/>
               </a:ext>
             </a:extLst>
           </p:cNvPr>
@@ -4169,8 +4182,8 @@
         </p:blipFill>
         <p:spPr>
           <a:xfrm>
-            <a:off x="6529735" y="2828608"/>
-            <a:ext cx="2380630" cy="1573750"/>
+            <a:off x="8372058" y="1320078"/>
+            <a:ext cx="3057952" cy="3267531"/>
           </a:xfrm>
           <a:prstGeom prst="rect">
             <a:avLst/>
@@ -4179,10 +4192,10 @@
       </p:pic>
       <p:pic>
         <p:nvPicPr>
-          <p:cNvPr id="7" name="Obrázek 6">
-            <a:extLst>
-              <a:ext uri="{FF2B5EF4-FFF2-40B4-BE49-F238E27FC236}">
-                <a16:creationId xmlns:a16="http://schemas.microsoft.com/office/drawing/2014/main" id="{456ED853-5E4D-45AB-9A15-824D8720D24D}"/>
+          <p:cNvPr id="10" name="Obrázek 9">
+            <a:extLst>
+              <a:ext uri="{FF2B5EF4-FFF2-40B4-BE49-F238E27FC236}">
+                <a16:creationId xmlns:a16="http://schemas.microsoft.com/office/drawing/2014/main" id="{2BDDF788-C9E0-4101-9C15-E741E3594A48}"/>
               </a:ext>
             </a:extLst>
           </p:cNvPr>
@@ -4199,8 +4212,8 @@
         </p:blipFill>
         <p:spPr>
           <a:xfrm>
-            <a:off x="9372169" y="2828608"/>
-            <a:ext cx="2033871" cy="2133898"/>
+            <a:off x="8372058" y="5537922"/>
+            <a:ext cx="2534004" cy="838317"/>
           </a:xfrm>
           <a:prstGeom prst="rect">
             <a:avLst/>
@@ -4209,10 +4222,10 @@
       </p:pic>
       <p:pic>
         <p:nvPicPr>
-          <p:cNvPr id="8" name="Obrázek 7">
-            <a:extLst>
-              <a:ext uri="{FF2B5EF4-FFF2-40B4-BE49-F238E27FC236}">
-                <a16:creationId xmlns:a16="http://schemas.microsoft.com/office/drawing/2014/main" id="{37438359-521C-4C5D-9AB0-7315728FB6AD}"/>
+          <p:cNvPr id="13" name="Obrázek 12">
+            <a:extLst>
+              <a:ext uri="{FF2B5EF4-FFF2-40B4-BE49-F238E27FC236}">
+                <a16:creationId xmlns:a16="http://schemas.microsoft.com/office/drawing/2014/main" id="{FFD93512-BE26-4B38-A390-196F5409A789}"/>
               </a:ext>
             </a:extLst>
           </p:cNvPr>
@@ -4229,44 +4242,249 @@
         </p:blipFill>
         <p:spPr>
           <a:xfrm>
-            <a:off x="3587275" y="4882484"/>
-            <a:ext cx="2747394" cy="640170"/>
+            <a:off x="4644242" y="4685997"/>
+            <a:ext cx="2572109" cy="2172003"/>
           </a:xfrm>
           <a:prstGeom prst="rect">
             <a:avLst/>
           </a:prstGeom>
         </p:spPr>
       </p:pic>
-      <p:pic>
-        <p:nvPicPr>
-          <p:cNvPr id="9" name="Obrázek 8">
-            <a:extLst>
-              <a:ext uri="{FF2B5EF4-FFF2-40B4-BE49-F238E27FC236}">
-                <a16:creationId xmlns:a16="http://schemas.microsoft.com/office/drawing/2014/main" id="{32BD35F1-7B81-4CEC-AB2E-E409E22B09E0}"/>
-              </a:ext>
-            </a:extLst>
-          </p:cNvPr>
-          <p:cNvPicPr>
-            <a:picLocks noChangeAspect="1"/>
-          </p:cNvPicPr>
+      <p:sp>
+        <p:nvSpPr>
+          <p:cNvPr id="15" name="Obdélník 14">
+            <a:extLst>
+              <a:ext uri="{FF2B5EF4-FFF2-40B4-BE49-F238E27FC236}">
+                <a16:creationId xmlns:a16="http://schemas.microsoft.com/office/drawing/2014/main" id="{10189BBA-AFB8-4CD1-AFAE-96A9B4FAB873}"/>
+              </a:ext>
+            </a:extLst>
+          </p:cNvPr>
+          <p:cNvSpPr/>
           <p:nvPr/>
-        </p:nvPicPr>
-        <p:blipFill>
-          <a:blip r:embed="rId7"/>
-          <a:stretch>
-            <a:fillRect/>
-          </a:stretch>
-        </p:blipFill>
+        </p:nvSpPr>
         <p:spPr>
           <a:xfrm>
-            <a:off x="6896499" y="4414115"/>
-            <a:ext cx="1913840" cy="1106960"/>
+            <a:off x="4644242" y="1320078"/>
+            <a:ext cx="3048425" cy="3365919"/>
           </a:xfrm>
           <a:prstGeom prst="rect">
             <a:avLst/>
           </a:prstGeom>
+          <a:noFill/>
         </p:spPr>
-      </p:pic>
+        <p:style>
+          <a:lnRef idx="2">
+            <a:schemeClr val="accent1">
+              <a:shade val="50000"/>
+            </a:schemeClr>
+          </a:lnRef>
+          <a:fillRef idx="1">
+            <a:schemeClr val="accent1"/>
+          </a:fillRef>
+          <a:effectRef idx="0">
+            <a:schemeClr val="accent1"/>
+          </a:effectRef>
+          <a:fontRef idx="minor">
+            <a:schemeClr val="lt1"/>
+          </a:fontRef>
+        </p:style>
+        <p:txBody>
+          <a:bodyPr rtlCol="0" anchor="ctr"/>
+          <a:lstStyle/>
+          <a:p>
+            <a:pPr algn="ctr"/>
+            <a:endParaRPr lang="cs-CZ"/>
+          </a:p>
+        </p:txBody>
+      </p:sp>
+      <p:sp>
+        <p:nvSpPr>
+          <p:cNvPr id="19" name="Obdélník 18">
+            <a:extLst>
+              <a:ext uri="{FF2B5EF4-FFF2-40B4-BE49-F238E27FC236}">
+                <a16:creationId xmlns:a16="http://schemas.microsoft.com/office/drawing/2014/main" id="{7F8DA8DD-EE19-4A70-A51E-A5815FDA904B}"/>
+              </a:ext>
+            </a:extLst>
+          </p:cNvPr>
+          <p:cNvSpPr/>
+          <p:nvPr/>
+        </p:nvSpPr>
+        <p:spPr>
+          <a:xfrm>
+            <a:off x="8372058" y="1320078"/>
+            <a:ext cx="3177791" cy="3365919"/>
+          </a:xfrm>
+          <a:prstGeom prst="rect">
+            <a:avLst/>
+          </a:prstGeom>
+          <a:noFill/>
+        </p:spPr>
+        <p:style>
+          <a:lnRef idx="2">
+            <a:schemeClr val="accent1">
+              <a:shade val="50000"/>
+            </a:schemeClr>
+          </a:lnRef>
+          <a:fillRef idx="1">
+            <a:schemeClr val="accent1"/>
+          </a:fillRef>
+          <a:effectRef idx="0">
+            <a:schemeClr val="accent1"/>
+          </a:effectRef>
+          <a:fontRef idx="minor">
+            <a:schemeClr val="lt1"/>
+          </a:fontRef>
+        </p:style>
+        <p:txBody>
+          <a:bodyPr rtlCol="0" anchor="ctr"/>
+          <a:lstStyle/>
+          <a:p>
+            <a:pPr algn="ctr"/>
+            <a:endParaRPr lang="cs-CZ"/>
+          </a:p>
+        </p:txBody>
+      </p:sp>
+      <p:sp>
+        <p:nvSpPr>
+          <p:cNvPr id="23" name="Obdélník 22">
+            <a:extLst>
+              <a:ext uri="{FF2B5EF4-FFF2-40B4-BE49-F238E27FC236}">
+                <a16:creationId xmlns:a16="http://schemas.microsoft.com/office/drawing/2014/main" id="{D50E7ECF-E1A3-438D-B269-2C51C51D61D8}"/>
+              </a:ext>
+            </a:extLst>
+          </p:cNvPr>
+          <p:cNvSpPr/>
+          <p:nvPr/>
+        </p:nvSpPr>
+        <p:spPr>
+          <a:xfrm>
+            <a:off x="1155334" y="1270883"/>
+            <a:ext cx="3177791" cy="5221992"/>
+          </a:xfrm>
+          <a:prstGeom prst="rect">
+            <a:avLst/>
+          </a:prstGeom>
+          <a:noFill/>
+        </p:spPr>
+        <p:style>
+          <a:lnRef idx="2">
+            <a:schemeClr val="accent1">
+              <a:shade val="50000"/>
+            </a:schemeClr>
+          </a:lnRef>
+          <a:fillRef idx="1">
+            <a:schemeClr val="accent1"/>
+          </a:fillRef>
+          <a:effectRef idx="0">
+            <a:schemeClr val="accent1"/>
+          </a:effectRef>
+          <a:fontRef idx="minor">
+            <a:schemeClr val="lt1"/>
+          </a:fontRef>
+        </p:style>
+        <p:txBody>
+          <a:bodyPr rtlCol="0" anchor="ctr"/>
+          <a:lstStyle/>
+          <a:p>
+            <a:pPr algn="ctr"/>
+            <a:endParaRPr lang="cs-CZ"/>
+          </a:p>
+        </p:txBody>
+      </p:sp>
+      <p:sp>
+        <p:nvSpPr>
+          <p:cNvPr id="24" name="Obdélník 23">
+            <a:extLst>
+              <a:ext uri="{FF2B5EF4-FFF2-40B4-BE49-F238E27FC236}">
+                <a16:creationId xmlns:a16="http://schemas.microsoft.com/office/drawing/2014/main" id="{BD34D2C2-1A33-4C77-9C84-BCCA77ABCF59}"/>
+              </a:ext>
+            </a:extLst>
+          </p:cNvPr>
+          <p:cNvSpPr/>
+          <p:nvPr/>
+        </p:nvSpPr>
+        <p:spPr>
+          <a:xfrm>
+            <a:off x="4644242" y="4685997"/>
+            <a:ext cx="3177791" cy="2172003"/>
+          </a:xfrm>
+          <a:prstGeom prst="rect">
+            <a:avLst/>
+          </a:prstGeom>
+          <a:noFill/>
+        </p:spPr>
+        <p:style>
+          <a:lnRef idx="2">
+            <a:schemeClr val="accent1">
+              <a:shade val="50000"/>
+            </a:schemeClr>
+          </a:lnRef>
+          <a:fillRef idx="1">
+            <a:schemeClr val="accent1"/>
+          </a:fillRef>
+          <a:effectRef idx="0">
+            <a:schemeClr val="accent1"/>
+          </a:effectRef>
+          <a:fontRef idx="minor">
+            <a:schemeClr val="lt1"/>
+          </a:fontRef>
+        </p:style>
+        <p:txBody>
+          <a:bodyPr rtlCol="0" anchor="ctr"/>
+          <a:lstStyle/>
+          <a:p>
+            <a:pPr algn="ctr"/>
+            <a:endParaRPr lang="cs-CZ"/>
+          </a:p>
+        </p:txBody>
+      </p:sp>
+      <p:sp>
+        <p:nvSpPr>
+          <p:cNvPr id="25" name="Obdélník 24">
+            <a:extLst>
+              <a:ext uri="{FF2B5EF4-FFF2-40B4-BE49-F238E27FC236}">
+                <a16:creationId xmlns:a16="http://schemas.microsoft.com/office/drawing/2014/main" id="{91E5BB11-2937-4D28-B4CA-EF49C1608C11}"/>
+              </a:ext>
+            </a:extLst>
+          </p:cNvPr>
+          <p:cNvSpPr/>
+          <p:nvPr/>
+        </p:nvSpPr>
+        <p:spPr>
+          <a:xfrm>
+            <a:off x="8312139" y="5537922"/>
+            <a:ext cx="2724528" cy="838317"/>
+          </a:xfrm>
+          <a:prstGeom prst="rect">
+            <a:avLst/>
+          </a:prstGeom>
+          <a:noFill/>
+        </p:spPr>
+        <p:style>
+          <a:lnRef idx="2">
+            <a:schemeClr val="accent1">
+              <a:shade val="50000"/>
+            </a:schemeClr>
+          </a:lnRef>
+          <a:fillRef idx="1">
+            <a:schemeClr val="accent1"/>
+          </a:fillRef>
+          <a:effectRef idx="0">
+            <a:schemeClr val="accent1"/>
+          </a:effectRef>
+          <a:fontRef idx="minor">
+            <a:schemeClr val="lt1"/>
+          </a:fontRef>
+        </p:style>
+        <p:txBody>
+          <a:bodyPr rtlCol="0" anchor="ctr"/>
+          <a:lstStyle/>
+          <a:p>
+            <a:pPr algn="ctr"/>
+            <a:endParaRPr lang="cs-CZ"/>
+          </a:p>
+        </p:txBody>
+      </p:sp>
     </p:spTree>
     <p:extLst>
       <p:ext uri="{BB962C8B-B14F-4D97-AF65-F5344CB8AC3E}">
